--- a/200415/20.04.15.pptx
+++ b/200415/20.04.15.pptx
@@ -3592,7 +3592,7 @@
     <mc:Choice Requires="p14">
       <p:transition/>
     </mc:Choice>
-    <mc:Fallback xmlns:dsp="http://schemas.microsoft.com/office/drawing/2008/diagram" xmlns:dgm="http://schemas.openxmlformats.org/drawingml/2006/diagram" xmlns:c="http://schemas.openxmlformats.org/drawingml/2006/chart" xmlns="">
+    <mc:Fallback xmlns="" xmlns:c="http://schemas.openxmlformats.org/drawingml/2006/chart" xmlns:dgm="http://schemas.openxmlformats.org/drawingml/2006/diagram" xmlns:dsp="http://schemas.microsoft.com/office/drawing/2008/diagram">
       <p:transition/>
     </mc:Fallback>
   </mc:AlternateContent>
@@ -4412,7 +4412,7 @@
     <mc:Choice Requires="p14">
       <p:transition/>
     </mc:Choice>
-    <mc:Fallback xmlns:dsp="http://schemas.microsoft.com/office/drawing/2008/diagram" xmlns:dgm="http://schemas.openxmlformats.org/drawingml/2006/diagram" xmlns:c="http://schemas.openxmlformats.org/drawingml/2006/chart" xmlns="">
+    <mc:Fallback xmlns="" xmlns:c="http://schemas.openxmlformats.org/drawingml/2006/chart" xmlns:dgm="http://schemas.openxmlformats.org/drawingml/2006/diagram" xmlns:dsp="http://schemas.microsoft.com/office/drawing/2008/diagram">
       <p:transition/>
     </mc:Fallback>
   </mc:AlternateContent>
@@ -5138,7 +5138,7 @@
     <mc:Choice Requires="p14">
       <p:transition/>
     </mc:Choice>
-    <mc:Fallback xmlns:dsp="http://schemas.microsoft.com/office/drawing/2008/diagram" xmlns:dgm="http://schemas.openxmlformats.org/drawingml/2006/diagram" xmlns:c="http://schemas.openxmlformats.org/drawingml/2006/chart" xmlns="">
+    <mc:Fallback xmlns="" xmlns:c="http://schemas.openxmlformats.org/drawingml/2006/chart" xmlns:dgm="http://schemas.openxmlformats.org/drawingml/2006/diagram" xmlns:dsp="http://schemas.microsoft.com/office/drawing/2008/diagram">
       <p:transition/>
     </mc:Fallback>
   </mc:AlternateContent>
@@ -5679,8 +5679,8 @@
           </a:p>
         </p:txBody>
       </p:sp>
-      <mc:AlternateContent xmlns:mc="http://schemas.openxmlformats.org/markup-compatibility/2006">
-        <mc:Choice xmlns:p14="http://schemas.microsoft.com/office/powerpoint/2010/main" Requires="p14">
+      <mc:AlternateContent xmlns:mc="http://schemas.openxmlformats.org/markup-compatibility/2006" xmlns:p14="http://schemas.microsoft.com/office/powerpoint/2010/main">
+        <mc:Choice Requires="p14">
           <p:contentPart p14:bwMode="auto" r:id="rId2">
             <p14:nvContentPartPr>
               <p14:cNvPr id="12" name="잉크 11">
@@ -5699,7 +5699,7 @@
             </p14:xfrm>
           </p:contentPart>
         </mc:Choice>
-        <mc:Fallback>
+        <mc:Fallback xmlns="">
           <p:pic>
             <p:nvPicPr>
               <p:cNvPr id="12" name="잉크 11">
@@ -5875,7 +5875,7 @@
     <mc:Choice Requires="p14">
       <p:transition/>
     </mc:Choice>
-    <mc:Fallback xmlns:dsp="http://schemas.microsoft.com/office/drawing/2008/diagram" xmlns:dgm="http://schemas.openxmlformats.org/drawingml/2006/diagram" xmlns:c="http://schemas.openxmlformats.org/drawingml/2006/chart" xmlns="">
+    <mc:Fallback xmlns="" xmlns:c="http://schemas.openxmlformats.org/drawingml/2006/chart" xmlns:dgm="http://schemas.openxmlformats.org/drawingml/2006/diagram" xmlns:dsp="http://schemas.microsoft.com/office/drawing/2008/diagram">
       <p:transition/>
     </mc:Fallback>
   </mc:AlternateContent>
@@ -6444,7 +6444,7 @@
     <mc:Choice Requires="p14">
       <p:transition/>
     </mc:Choice>
-    <mc:Fallback xmlns:dsp="http://schemas.microsoft.com/office/drawing/2008/diagram" xmlns:dgm="http://schemas.openxmlformats.org/drawingml/2006/diagram" xmlns:c="http://schemas.openxmlformats.org/drawingml/2006/chart" xmlns="">
+    <mc:Fallback xmlns="" xmlns:c="http://schemas.openxmlformats.org/drawingml/2006/chart" xmlns:dgm="http://schemas.openxmlformats.org/drawingml/2006/diagram" xmlns:dsp="http://schemas.microsoft.com/office/drawing/2008/diagram">
       <p:transition/>
     </mc:Fallback>
   </mc:AlternateContent>
@@ -6730,7 +6730,7 @@
     <mc:Choice Requires="p14">
       <p:transition/>
     </mc:Choice>
-    <mc:Fallback xmlns:dsp="http://schemas.microsoft.com/office/drawing/2008/diagram" xmlns:dgm="http://schemas.openxmlformats.org/drawingml/2006/diagram" xmlns:c="http://schemas.openxmlformats.org/drawingml/2006/chart" xmlns="">
+    <mc:Fallback xmlns="" xmlns:c="http://schemas.openxmlformats.org/drawingml/2006/chart" xmlns:dgm="http://schemas.openxmlformats.org/drawingml/2006/diagram" xmlns:dsp="http://schemas.microsoft.com/office/drawing/2008/diagram">
       <p:transition/>
     </mc:Fallback>
   </mc:AlternateContent>
@@ -7097,8 +7097,8 @@
           </a:p>
         </p:txBody>
       </p:sp>
-      <mc:AlternateContent xmlns:mc="http://schemas.openxmlformats.org/markup-compatibility/2006">
-        <mc:Choice xmlns:p14="http://schemas.microsoft.com/office/powerpoint/2010/main" Requires="p14">
+      <mc:AlternateContent xmlns:mc="http://schemas.openxmlformats.org/markup-compatibility/2006" xmlns:p14="http://schemas.microsoft.com/office/powerpoint/2010/main">
+        <mc:Choice Requires="p14">
           <p:contentPart p14:bwMode="auto" r:id="rId2">
             <p14:nvContentPartPr>
               <p14:cNvPr id="12" name="잉크 11">
@@ -7117,7 +7117,7 @@
             </p14:xfrm>
           </p:contentPart>
         </mc:Choice>
-        <mc:Fallback>
+        <mc:Fallback xmlns="">
           <p:pic>
             <p:nvPicPr>
               <p:cNvPr id="12" name="잉크 11">
@@ -7284,6 +7284,56 @@
           </a:p>
         </p:txBody>
       </p:sp>
+      <p:sp>
+        <p:nvSpPr>
+          <p:cNvPr id="9" name="TextBox 8">
+            <a:extLst>
+              <a:ext uri="{FF2B5EF4-FFF2-40B4-BE49-F238E27FC236}">
+                <a16:creationId xmlns:a16="http://schemas.microsoft.com/office/drawing/2014/main" id="{BA009C0C-5623-448A-980E-C3E775A243C9}"/>
+              </a:ext>
+            </a:extLst>
+          </p:cNvPr>
+          <p:cNvSpPr txBox="1"/>
+          <p:nvPr/>
+        </p:nvSpPr>
+        <p:spPr>
+          <a:xfrm>
+            <a:off x="2327843" y="5508845"/>
+            <a:ext cx="4016887" cy="1020921"/>
+          </a:xfrm>
+          <a:prstGeom prst="rect">
+            <a:avLst/>
+          </a:prstGeom>
+          <a:noFill/>
+        </p:spPr>
+        <p:txBody>
+          <a:bodyPr wrap="square" anchor="b">
+            <a:spAutoFit/>
+          </a:bodyPr>
+          <a:lstStyle/>
+          <a:p>
+            <a:pPr>
+              <a:lnSpc>
+                <a:spcPct val="120000"/>
+              </a:lnSpc>
+              <a:defRPr/>
+            </a:pPr>
+            <a:r>
+              <a:rPr lang="en-US" altLang="ko-KR" sz="1300" dirty="0">
+                <a:solidFill>
+                  <a:schemeClr val="tx1">
+                    <a:lumMod val="50000"/>
+                    <a:lumOff val="50000"/>
+                  </a:schemeClr>
+                </a:solidFill>
+                <a:latin typeface="바탕"/>
+                <a:ea typeface="바탕"/>
+              </a:rPr>
+              <a:t>https://opencv-python-tutroals.readthedocs.io/en/latest/py_tutorials/py_imgproc/py_transforms/py_fourier_transform/py_fourier_transform.html#fourier-transform</a:t>
+            </a:r>
+          </a:p>
+        </p:txBody>
+      </p:sp>
     </p:spTree>
     <p:extLst>
       <p:ext uri="{BB962C8B-B14F-4D97-AF65-F5344CB8AC3E}">
@@ -7298,7 +7348,7 @@
     <mc:Choice Requires="p14">
       <p:transition/>
     </mc:Choice>
-    <mc:Fallback xmlns:dsp="http://schemas.microsoft.com/office/drawing/2008/diagram" xmlns:dgm="http://schemas.openxmlformats.org/drawingml/2006/diagram" xmlns:c="http://schemas.openxmlformats.org/drawingml/2006/chart" xmlns="">
+    <mc:Fallback xmlns="" xmlns:c="http://schemas.openxmlformats.org/drawingml/2006/chart" xmlns:dgm="http://schemas.openxmlformats.org/drawingml/2006/diagram" xmlns:dsp="http://schemas.microsoft.com/office/drawing/2008/diagram">
       <p:transition/>
     </mc:Fallback>
   </mc:AlternateContent>
@@ -7435,7 +7485,7 @@
                 <a:latin typeface="바탕"/>
                 <a:ea typeface="바탕"/>
               </a:rPr>
-              <a:t>04</a:t>
+              <a:t>05</a:t>
             </a:r>
             <a:endParaRPr lang="ko-KR" altLang="en-US" sz="1400" b="1" dirty="0">
               <a:ln w="9525">
@@ -7882,8 +7932,8 @@
           </a:p>
         </p:txBody>
       </p:sp>
-      <mc:AlternateContent xmlns:mc="http://schemas.openxmlformats.org/markup-compatibility/2006">
-        <mc:Choice xmlns:p14="http://schemas.microsoft.com/office/powerpoint/2010/main" Requires="p14">
+      <mc:AlternateContent xmlns:mc="http://schemas.openxmlformats.org/markup-compatibility/2006" xmlns:p14="http://schemas.microsoft.com/office/powerpoint/2010/main">
+        <mc:Choice Requires="p14">
           <p:contentPart p14:bwMode="auto" r:id="rId2">
             <p14:nvContentPartPr>
               <p14:cNvPr id="10" name="잉크 9">
@@ -7902,7 +7952,7 @@
             </p14:xfrm>
           </p:contentPart>
         </mc:Choice>
-        <mc:Fallback>
+        <mc:Fallback xmlns="">
           <p:pic>
             <p:nvPicPr>
               <p:cNvPr id="10" name="잉크 9">
@@ -8083,7 +8133,7 @@
     <mc:Choice Requires="p14">
       <p:transition/>
     </mc:Choice>
-    <mc:Fallback xmlns:dsp="http://schemas.microsoft.com/office/drawing/2008/diagram" xmlns:dgm="http://schemas.openxmlformats.org/drawingml/2006/diagram" xmlns:c="http://schemas.openxmlformats.org/drawingml/2006/chart" xmlns="">
+    <mc:Fallback xmlns="" xmlns:c="http://schemas.openxmlformats.org/drawingml/2006/chart" xmlns:dgm="http://schemas.openxmlformats.org/drawingml/2006/diagram" xmlns:dsp="http://schemas.microsoft.com/office/drawing/2008/diagram">
       <p:transition/>
     </mc:Fallback>
   </mc:AlternateContent>
@@ -8238,7 +8288,7 @@
     <mc:Choice Requires="p14">
       <p:transition/>
     </mc:Choice>
-    <mc:Fallback xmlns:dsp="http://schemas.microsoft.com/office/drawing/2008/diagram" xmlns:dgm="http://schemas.openxmlformats.org/drawingml/2006/diagram" xmlns:c="http://schemas.openxmlformats.org/drawingml/2006/chart" xmlns="">
+    <mc:Fallback xmlns="" xmlns:c="http://schemas.openxmlformats.org/drawingml/2006/chart" xmlns:dgm="http://schemas.openxmlformats.org/drawingml/2006/diagram" xmlns:dsp="http://schemas.microsoft.com/office/drawing/2008/diagram">
       <p:transition/>
     </mc:Fallback>
   </mc:AlternateContent>

--- a/200415/20.04.15.pptx
+++ b/200415/20.04.15.pptx
@@ -3592,7 +3592,7 @@
     <mc:Choice Requires="p14">
       <p:transition/>
     </mc:Choice>
-    <mc:Fallback xmlns="" xmlns:c="http://schemas.openxmlformats.org/drawingml/2006/chart" xmlns:dgm="http://schemas.openxmlformats.org/drawingml/2006/diagram" xmlns:dsp="http://schemas.microsoft.com/office/drawing/2008/diagram">
+    <mc:Fallback xmlns:dsp="http://schemas.microsoft.com/office/drawing/2008/diagram" xmlns:dgm="http://schemas.openxmlformats.org/drawingml/2006/diagram" xmlns:c="http://schemas.openxmlformats.org/drawingml/2006/chart" xmlns="">
       <p:transition/>
     </mc:Fallback>
   </mc:AlternateContent>
@@ -4323,8 +4323,8 @@
         </p:nvSpPr>
         <p:spPr>
           <a:xfrm>
-            <a:off x="8694978" y="6536654"/>
-            <a:ext cx="1717105" cy="252633"/>
+            <a:off x="8298163" y="6528028"/>
+            <a:ext cx="2277822" cy="252633"/>
           </a:xfrm>
           <a:prstGeom prst="rect">
             <a:avLst/>
@@ -4344,7 +4344,7 @@
               <a:defRPr/>
             </a:pPr>
             <a:r>
-              <a:rPr lang="ko-KR" altLang="en-US" sz="1000" dirty="0">
+              <a:rPr lang="ko-KR" altLang="en-US" sz="1000">
                 <a:solidFill>
                   <a:schemeClr val="tx1">
                     <a:lumMod val="50000"/>
@@ -4354,7 +4354,7 @@
                 <a:latin typeface="바탕"/>
                 <a:ea typeface="바탕"/>
               </a:rPr>
-              <a:t>열심히</a:t>
+              <a:t>대학 생활 열심히</a:t>
             </a:r>
             <a:r>
               <a:rPr lang="en-US" altLang="ko-KR" sz="1000" dirty="0">
@@ -4412,7 +4412,7 @@
     <mc:Choice Requires="p14">
       <p:transition/>
     </mc:Choice>
-    <mc:Fallback xmlns="" xmlns:c="http://schemas.openxmlformats.org/drawingml/2006/chart" xmlns:dgm="http://schemas.openxmlformats.org/drawingml/2006/diagram" xmlns:dsp="http://schemas.microsoft.com/office/drawing/2008/diagram">
+    <mc:Fallback xmlns:dsp="http://schemas.microsoft.com/office/drawing/2008/diagram" xmlns:dgm="http://schemas.openxmlformats.org/drawingml/2006/diagram" xmlns:c="http://schemas.openxmlformats.org/drawingml/2006/chart" xmlns="">
       <p:transition/>
     </mc:Fallback>
   </mc:AlternateContent>
@@ -5078,8 +5078,8 @@
         </p:nvSpPr>
         <p:spPr>
           <a:xfrm>
-            <a:off x="8010955" y="3176367"/>
-            <a:ext cx="1552013" cy="252633"/>
+            <a:off x="8010955" y="2991701"/>
+            <a:ext cx="1552013" cy="437299"/>
           </a:xfrm>
           <a:prstGeom prst="rect">
             <a:avLst/>
@@ -5092,7 +5092,7 @@
           </a:bodyPr>
           <a:lstStyle/>
           <a:p>
-            <a:pPr>
+            <a:pPr algn="ctr">
               <a:lnSpc>
                 <a:spcPct val="120000"/>
               </a:lnSpc>
@@ -5109,7 +5109,7 @@
                 <a:latin typeface="바탕"/>
                 <a:ea typeface="바탕"/>
               </a:rPr>
-              <a:t>같이 쓴 멘토링 신청서</a:t>
+              <a:t>동기들과 같이 쓴 멘토링 신청서</a:t>
             </a:r>
             <a:endParaRPr lang="en-US" altLang="ko-KR" sz="1000" dirty="0">
               <a:solidFill>
@@ -5138,7 +5138,7 @@
     <mc:Choice Requires="p14">
       <p:transition/>
     </mc:Choice>
-    <mc:Fallback xmlns="" xmlns:c="http://schemas.openxmlformats.org/drawingml/2006/chart" xmlns:dgm="http://schemas.openxmlformats.org/drawingml/2006/diagram" xmlns:dsp="http://schemas.microsoft.com/office/drawing/2008/diagram">
+    <mc:Fallback xmlns:dsp="http://schemas.microsoft.com/office/drawing/2008/diagram" xmlns:dgm="http://schemas.openxmlformats.org/drawingml/2006/diagram" xmlns:c="http://schemas.openxmlformats.org/drawingml/2006/chart" xmlns="">
       <p:transition/>
     </mc:Fallback>
   </mc:AlternateContent>
@@ -5875,7 +5875,7 @@
     <mc:Choice Requires="p14">
       <p:transition/>
     </mc:Choice>
-    <mc:Fallback xmlns="" xmlns:c="http://schemas.openxmlformats.org/drawingml/2006/chart" xmlns:dgm="http://schemas.openxmlformats.org/drawingml/2006/diagram" xmlns:dsp="http://schemas.microsoft.com/office/drawing/2008/diagram">
+    <mc:Fallback xmlns:dsp="http://schemas.microsoft.com/office/drawing/2008/diagram" xmlns:dgm="http://schemas.openxmlformats.org/drawingml/2006/diagram" xmlns:c="http://schemas.openxmlformats.org/drawingml/2006/chart" xmlns="">
       <p:transition/>
     </mc:Fallback>
   </mc:AlternateContent>
@@ -6314,33 +6314,7 @@
                 <a:latin typeface="바탕"/>
                 <a:ea typeface="바탕"/>
               </a:rPr>
-              <a:t> </a:t>
-            </a:r>
-            <a:r>
-              <a:rPr lang="ko-KR" altLang="en-US" dirty="0" err="1">
-                <a:solidFill>
-                  <a:schemeClr val="tx1">
-                    <a:lumMod val="50000"/>
-                    <a:lumOff val="50000"/>
-                  </a:schemeClr>
-                </a:solidFill>
-                <a:latin typeface="바탕"/>
-                <a:ea typeface="바탕"/>
-              </a:rPr>
-              <a:t>하던거</a:t>
-            </a:r>
-            <a:r>
-              <a:rPr lang="ko-KR" altLang="en-US" dirty="0">
-                <a:solidFill>
-                  <a:schemeClr val="tx1">
-                    <a:lumMod val="50000"/>
-                    <a:lumOff val="50000"/>
-                  </a:schemeClr>
-                </a:solidFill>
-                <a:latin typeface="바탕"/>
-                <a:ea typeface="바탕"/>
-              </a:rPr>
-              <a:t> 다 하고나서 하겠습니다</a:t>
+              <a:t> 하던 거 다 하고나서 하겠습니다</a:t>
             </a:r>
             <a:r>
               <a:rPr lang="en-US" altLang="ko-KR" dirty="0">
@@ -6444,7 +6418,7 @@
     <mc:Choice Requires="p14">
       <p:transition/>
     </mc:Choice>
-    <mc:Fallback xmlns="" xmlns:c="http://schemas.openxmlformats.org/drawingml/2006/chart" xmlns:dgm="http://schemas.openxmlformats.org/drawingml/2006/diagram" xmlns:dsp="http://schemas.microsoft.com/office/drawing/2008/diagram">
+    <mc:Fallback xmlns:dsp="http://schemas.microsoft.com/office/drawing/2008/diagram" xmlns:dgm="http://schemas.openxmlformats.org/drawingml/2006/diagram" xmlns:c="http://schemas.openxmlformats.org/drawingml/2006/chart" xmlns="">
       <p:transition/>
     </mc:Fallback>
   </mc:AlternateContent>
@@ -6730,7 +6704,7 @@
     <mc:Choice Requires="p14">
       <p:transition/>
     </mc:Choice>
-    <mc:Fallback xmlns="" xmlns:c="http://schemas.openxmlformats.org/drawingml/2006/chart" xmlns:dgm="http://schemas.openxmlformats.org/drawingml/2006/diagram" xmlns:dsp="http://schemas.microsoft.com/office/drawing/2008/diagram">
+    <mc:Fallback xmlns:dsp="http://schemas.microsoft.com/office/drawing/2008/diagram" xmlns:dgm="http://schemas.openxmlformats.org/drawingml/2006/diagram" xmlns:c="http://schemas.openxmlformats.org/drawingml/2006/chart" xmlns="">
       <p:transition/>
     </mc:Fallback>
   </mc:AlternateContent>
@@ -7018,8 +6992,8 @@
         </p:nvSpPr>
         <p:spPr>
           <a:xfrm>
-            <a:off x="2120810" y="2444569"/>
-            <a:ext cx="4016887" cy="1378070"/>
+            <a:off x="2120810" y="2546396"/>
+            <a:ext cx="4016887" cy="3372462"/>
           </a:xfrm>
           <a:prstGeom prst="rect">
             <a:avLst/>
@@ -7052,6 +7026,45 @@
                 <a:ea typeface="바탕"/>
               </a:rPr>
               <a:t>Image transform in OpenCV : Fourier transform </a:t>
+            </a:r>
+          </a:p>
+          <a:p>
+            <a:pPr>
+              <a:lnSpc>
+                <a:spcPct val="120000"/>
+              </a:lnSpc>
+              <a:defRPr/>
+            </a:pPr>
+            <a:endParaRPr lang="en-US" altLang="ko-KR" dirty="0">
+              <a:solidFill>
+                <a:schemeClr val="tx1">
+                  <a:lumMod val="50000"/>
+                  <a:lumOff val="50000"/>
+                </a:schemeClr>
+              </a:solidFill>
+              <a:latin typeface="바탕"/>
+              <a:ea typeface="바탕"/>
+            </a:endParaRPr>
+          </a:p>
+          <a:p>
+            <a:pPr>
+              <a:lnSpc>
+                <a:spcPct val="120000"/>
+              </a:lnSpc>
+              <a:defRPr/>
+            </a:pPr>
+            <a:r>
+              <a:rPr lang="en-US" altLang="ko-KR" dirty="0">
+                <a:solidFill>
+                  <a:schemeClr val="tx1">
+                    <a:lumMod val="50000"/>
+                    <a:lumOff val="50000"/>
+                  </a:schemeClr>
+                </a:solidFill>
+                <a:latin typeface="바탕"/>
+                <a:ea typeface="바탕"/>
+              </a:rPr>
+              <a:t>   cv2.dft(), cv2.idft()</a:t>
             </a:r>
           </a:p>
           <a:p>
@@ -7075,6 +7088,82 @@
             </a:endParaRPr>
           </a:p>
           <a:p>
+            <a:pPr marL="285750" indent="-285750">
+              <a:lnSpc>
+                <a:spcPct val="120000"/>
+              </a:lnSpc>
+              <a:buFont typeface="Arial" panose="020B0604020202020204" pitchFamily="34" charset="0"/>
+              <a:buChar char="•"/>
+              <a:defRPr/>
+            </a:pPr>
+            <a:endParaRPr lang="en-US" altLang="ko-KR" dirty="0">
+              <a:solidFill>
+                <a:schemeClr val="tx1">
+                  <a:lumMod val="50000"/>
+                  <a:lumOff val="50000"/>
+                </a:schemeClr>
+              </a:solidFill>
+              <a:latin typeface="바탕"/>
+              <a:ea typeface="바탕"/>
+            </a:endParaRPr>
+          </a:p>
+          <a:p>
+            <a:pPr marL="285750" indent="-285750">
+              <a:lnSpc>
+                <a:spcPct val="120000"/>
+              </a:lnSpc>
+              <a:buFont typeface="Arial" panose="020B0604020202020204" pitchFamily="34" charset="0"/>
+              <a:buChar char="•"/>
+              <a:defRPr/>
+            </a:pPr>
+            <a:r>
+              <a:rPr lang="en-US" altLang="ko-KR" dirty="0" err="1">
+                <a:solidFill>
+                  <a:schemeClr val="tx1">
+                    <a:lumMod val="50000"/>
+                    <a:lumOff val="50000"/>
+                  </a:schemeClr>
+                </a:solidFill>
+                <a:latin typeface="바탕"/>
+                <a:ea typeface="바탕"/>
+              </a:rPr>
+              <a:t>Matplot</a:t>
+            </a:r>
+            <a:r>
+              <a:rPr lang="en-US" altLang="ko-KR" dirty="0">
+                <a:solidFill>
+                  <a:schemeClr val="tx1">
+                    <a:lumMod val="50000"/>
+                    <a:lumOff val="50000"/>
+                  </a:schemeClr>
+                </a:solidFill>
+                <a:latin typeface="바탕"/>
+                <a:ea typeface="바탕"/>
+              </a:rPr>
+              <a:t> library</a:t>
+            </a:r>
+          </a:p>
+          <a:p>
+            <a:pPr marL="285750" indent="-285750">
+              <a:lnSpc>
+                <a:spcPct val="120000"/>
+              </a:lnSpc>
+              <a:buFont typeface="Arial" panose="020B0604020202020204" pitchFamily="34" charset="0"/>
+              <a:buChar char="•"/>
+              <a:defRPr/>
+            </a:pPr>
+            <a:endParaRPr lang="en-US" altLang="ko-KR" dirty="0">
+              <a:solidFill>
+                <a:schemeClr val="tx1">
+                  <a:lumMod val="50000"/>
+                  <a:lumOff val="50000"/>
+                </a:schemeClr>
+              </a:solidFill>
+              <a:latin typeface="바탕"/>
+              <a:ea typeface="바탕"/>
+            </a:endParaRPr>
+          </a:p>
+          <a:p>
             <a:pPr>
               <a:lnSpc>
                 <a:spcPct val="120000"/>
@@ -7092,8 +7181,26 @@
                 <a:latin typeface="바탕"/>
                 <a:ea typeface="바탕"/>
               </a:rPr>
-              <a:t>   cv2.dft(), cv2.idft()</a:t>
-            </a:r>
+              <a:t>   </a:t>
+            </a:r>
+          </a:p>
+          <a:p>
+            <a:pPr>
+              <a:lnSpc>
+                <a:spcPct val="120000"/>
+              </a:lnSpc>
+              <a:defRPr/>
+            </a:pPr>
+            <a:endParaRPr lang="en-US" altLang="ko-KR" dirty="0">
+              <a:solidFill>
+                <a:schemeClr val="tx1">
+                  <a:lumMod val="50000"/>
+                  <a:lumOff val="50000"/>
+                </a:schemeClr>
+              </a:solidFill>
+              <a:latin typeface="바탕"/>
+              <a:ea typeface="바탕"/>
+            </a:endParaRPr>
           </a:p>
         </p:txBody>
       </p:sp>
@@ -7298,7 +7405,7 @@
         </p:nvSpPr>
         <p:spPr>
           <a:xfrm>
-            <a:off x="2327843" y="5508845"/>
+            <a:off x="7029239" y="2696634"/>
             <a:ext cx="4016887" cy="1020921"/>
           </a:xfrm>
           <a:prstGeom prst="rect">
@@ -7348,7 +7455,7 @@
     <mc:Choice Requires="p14">
       <p:transition/>
     </mc:Choice>
-    <mc:Fallback xmlns="" xmlns:c="http://schemas.openxmlformats.org/drawingml/2006/chart" xmlns:dgm="http://schemas.openxmlformats.org/drawingml/2006/diagram" xmlns:dsp="http://schemas.microsoft.com/office/drawing/2008/diagram">
+    <mc:Fallback xmlns:dsp="http://schemas.microsoft.com/office/drawing/2008/diagram" xmlns:dgm="http://schemas.openxmlformats.org/drawingml/2006/diagram" xmlns:c="http://schemas.openxmlformats.org/drawingml/2006/chart" xmlns="">
       <p:transition/>
     </mc:Fallback>
   </mc:AlternateContent>
@@ -7374,73 +7481,13 @@
       </p:grpSpPr>
       <p:sp>
         <p:nvSpPr>
-          <p:cNvPr id="4914" name="직사각형 4913"/>
-          <p:cNvSpPr/>
-          <p:nvPr/>
-        </p:nvSpPr>
-        <p:spPr>
-          <a:xfrm>
-            <a:off x="0" y="0"/>
-            <a:ext cx="12192000" cy="914400"/>
-          </a:xfrm>
-          <a:prstGeom prst="rect">
-            <a:avLst/>
-          </a:prstGeom>
-          <a:gradFill flip="none" rotWithShape="1">
-            <a:gsLst>
-              <a:gs pos="43000">
-                <a:srgbClr val="EA637C"/>
-              </a:gs>
-              <a:gs pos="0">
-                <a:schemeClr val="accent1"/>
-              </a:gs>
-              <a:gs pos="100000">
-                <a:schemeClr val="accent3"/>
-              </a:gs>
-            </a:gsLst>
-            <a:lin ang="0" scaled="1"/>
-            <a:tileRect/>
-          </a:gradFill>
-          <a:ln>
-            <a:noFill/>
-          </a:ln>
-        </p:spPr>
-        <p:style>
-          <a:lnRef idx="2">
-            <a:schemeClr val="accent1">
-              <a:shade val="50000"/>
-            </a:schemeClr>
-          </a:lnRef>
-          <a:fillRef idx="1">
-            <a:schemeClr val="accent1"/>
-          </a:fillRef>
-          <a:effectRef idx="0">
-            <a:schemeClr val="accent1"/>
-          </a:effectRef>
-          <a:fontRef idx="minor">
-            <a:schemeClr val="lt1"/>
-          </a:fontRef>
-        </p:style>
-        <p:txBody>
-          <a:bodyPr anchor="ctr"/>
-          <a:lstStyle/>
-          <a:p>
-            <a:pPr algn="ctr">
-              <a:defRPr/>
-            </a:pPr>
-            <a:endParaRPr lang="ko-KR" altLang="en-US"/>
-          </a:p>
-        </p:txBody>
-      </p:sp>
-      <p:sp>
-        <p:nvSpPr>
           <p:cNvPr id="13" name="타원 12"/>
           <p:cNvSpPr/>
           <p:nvPr/>
         </p:nvSpPr>
         <p:spPr>
           <a:xfrm>
-            <a:off x="1522427" y="1878181"/>
+            <a:off x="357861" y="454608"/>
             <a:ext cx="631437" cy="631437"/>
           </a:xfrm>
           <a:prstGeom prst="ellipse">
@@ -7509,8 +7556,8 @@
         </p:nvSpPr>
         <p:spPr>
           <a:xfrm>
-            <a:off x="2255360" y="2737037"/>
-            <a:ext cx="8417738" cy="3372462"/>
+            <a:off x="3375814" y="0"/>
+            <a:ext cx="6399636" cy="2042867"/>
           </a:xfrm>
           <a:prstGeom prst="rect">
             <a:avLst/>
@@ -7634,6 +7681,68 @@
               <a:buChar char="•"/>
               <a:defRPr/>
             </a:pPr>
+            <a:r>
+              <a:rPr lang="ko-KR" altLang="en-US" dirty="0">
+                <a:solidFill>
+                  <a:schemeClr val="tx1">
+                    <a:lumMod val="50000"/>
+                    <a:lumOff val="50000"/>
+                  </a:schemeClr>
+                </a:solidFill>
+                <a:latin typeface="바탕"/>
+                <a:ea typeface="바탕"/>
+              </a:rPr>
+              <a:t>제어 이론 </a:t>
+            </a:r>
+            <a:r>
+              <a:rPr lang="en-US" altLang="ko-KR" dirty="0">
+                <a:solidFill>
+                  <a:schemeClr val="tx1">
+                    <a:lumMod val="50000"/>
+                    <a:lumOff val="50000"/>
+                  </a:schemeClr>
+                </a:solidFill>
+                <a:latin typeface="바탕"/>
+                <a:ea typeface="바탕"/>
+              </a:rPr>
+              <a:t>&amp; Simulink</a:t>
+            </a:r>
+          </a:p>
+          <a:p>
+            <a:pPr marL="285750" indent="-285750">
+              <a:lnSpc>
+                <a:spcPct val="120000"/>
+              </a:lnSpc>
+              <a:buFont typeface="Arial" panose="020B0604020202020204" pitchFamily="34" charset="0"/>
+              <a:buChar char="•"/>
+              <a:defRPr/>
+            </a:pPr>
+            <a:r>
+              <a:rPr lang="en-US" altLang="ko-KR" dirty="0">
+                <a:solidFill>
+                  <a:schemeClr val="tx1">
+                    <a:lumMod val="50000"/>
+                    <a:lumOff val="50000"/>
+                  </a:schemeClr>
+                </a:solidFill>
+                <a:latin typeface="바탕"/>
+                <a:ea typeface="바탕"/>
+              </a:rPr>
+              <a:t>Python </a:t>
+            </a:r>
+            <a:r>
+              <a:rPr lang="ko-KR" altLang="en-US" dirty="0">
+                <a:solidFill>
+                  <a:schemeClr val="tx1">
+                    <a:lumMod val="50000"/>
+                    <a:lumOff val="50000"/>
+                  </a:schemeClr>
+                </a:solidFill>
+                <a:latin typeface="바탕"/>
+                <a:ea typeface="바탕"/>
+              </a:rPr>
+              <a:t>영상처리</a:t>
+            </a:r>
             <a:endParaRPr lang="en-US" altLang="ko-KR" dirty="0">
               <a:solidFill>
                 <a:schemeClr val="tx1">
@@ -7644,6 +7753,53 @@
               <a:latin typeface="바탕"/>
               <a:ea typeface="바탕"/>
             </a:endParaRPr>
+          </a:p>
+          <a:p>
+            <a:pPr>
+              <a:lnSpc>
+                <a:spcPct val="120000"/>
+              </a:lnSpc>
+              <a:defRPr/>
+            </a:pPr>
+            <a:r>
+              <a:rPr lang="en-US" altLang="ko-KR" dirty="0">
+                <a:solidFill>
+                  <a:schemeClr val="tx1">
+                    <a:lumMod val="50000"/>
+                    <a:lumOff val="50000"/>
+                  </a:schemeClr>
+                </a:solidFill>
+                <a:latin typeface="바탕"/>
+                <a:ea typeface="바탕"/>
+              </a:rPr>
+              <a:t>    =&gt; </a:t>
+            </a:r>
+            <a:r>
+              <a:rPr lang="ko-KR" altLang="en-US" dirty="0">
+                <a:solidFill>
+                  <a:schemeClr val="tx1">
+                    <a:lumMod val="50000"/>
+                    <a:lumOff val="50000"/>
+                  </a:schemeClr>
+                </a:solidFill>
+                <a:latin typeface="바탕"/>
+                <a:ea typeface="바탕"/>
+              </a:rPr>
+              <a:t>제어 이론 공부하고 시간이 남을 때마다 조금씩</a:t>
+            </a:r>
+            <a:r>
+              <a:rPr lang="en-US" altLang="ko-KR" dirty="0">
+                <a:solidFill>
+                  <a:schemeClr val="tx1">
+                    <a:lumMod val="50000"/>
+                    <a:lumOff val="50000"/>
+                  </a:schemeClr>
+                </a:solidFill>
+                <a:latin typeface="바탕"/>
+                <a:ea typeface="바탕"/>
+              </a:rPr>
+              <a:t>…</a:t>
+            </a:r>
           </a:p>
           <a:p>
             <a:pPr>
@@ -7663,217 +7819,6 @@
               <a:ea typeface="바탕"/>
             </a:endParaRPr>
           </a:p>
-          <a:p>
-            <a:pPr marL="285750" indent="-285750">
-              <a:lnSpc>
-                <a:spcPct val="120000"/>
-              </a:lnSpc>
-              <a:buFont typeface="Arial" panose="020B0604020202020204" pitchFamily="34" charset="0"/>
-              <a:buChar char="•"/>
-              <a:defRPr/>
-            </a:pPr>
-            <a:r>
-              <a:rPr lang="ko-KR" altLang="en-US" dirty="0">
-                <a:solidFill>
-                  <a:schemeClr val="tx1">
-                    <a:lumMod val="50000"/>
-                    <a:lumOff val="50000"/>
-                  </a:schemeClr>
-                </a:solidFill>
-                <a:latin typeface="바탕"/>
-                <a:ea typeface="바탕"/>
-              </a:rPr>
-              <a:t>제어 이론 </a:t>
-            </a:r>
-            <a:r>
-              <a:rPr lang="en-US" altLang="ko-KR" dirty="0">
-                <a:solidFill>
-                  <a:schemeClr val="tx1">
-                    <a:lumMod val="50000"/>
-                    <a:lumOff val="50000"/>
-                  </a:schemeClr>
-                </a:solidFill>
-                <a:latin typeface="바탕"/>
-                <a:ea typeface="바탕"/>
-              </a:rPr>
-              <a:t>&amp; Simulink</a:t>
-            </a:r>
-          </a:p>
-          <a:p>
-            <a:pPr marL="285750" indent="-285750">
-              <a:lnSpc>
-                <a:spcPct val="120000"/>
-              </a:lnSpc>
-              <a:buFont typeface="Arial" panose="020B0604020202020204" pitchFamily="34" charset="0"/>
-              <a:buChar char="•"/>
-              <a:defRPr/>
-            </a:pPr>
-            <a:endParaRPr lang="en-US" altLang="ko-KR" dirty="0">
-              <a:solidFill>
-                <a:schemeClr val="tx1">
-                  <a:lumMod val="50000"/>
-                  <a:lumOff val="50000"/>
-                </a:schemeClr>
-              </a:solidFill>
-              <a:latin typeface="바탕"/>
-              <a:ea typeface="바탕"/>
-            </a:endParaRPr>
-          </a:p>
-          <a:p>
-            <a:pPr>
-              <a:lnSpc>
-                <a:spcPct val="120000"/>
-              </a:lnSpc>
-              <a:defRPr/>
-            </a:pPr>
-            <a:endParaRPr lang="en-US" altLang="ko-KR" dirty="0">
-              <a:solidFill>
-                <a:schemeClr val="tx1">
-                  <a:lumMod val="50000"/>
-                  <a:lumOff val="50000"/>
-                </a:schemeClr>
-              </a:solidFill>
-              <a:latin typeface="바탕"/>
-              <a:ea typeface="바탕"/>
-            </a:endParaRPr>
-          </a:p>
-          <a:p>
-            <a:pPr marL="285750" indent="-285750">
-              <a:lnSpc>
-                <a:spcPct val="120000"/>
-              </a:lnSpc>
-              <a:buFont typeface="Arial" panose="020B0604020202020204" pitchFamily="34" charset="0"/>
-              <a:buChar char="•"/>
-              <a:defRPr/>
-            </a:pPr>
-            <a:r>
-              <a:rPr lang="en-US" altLang="ko-KR" dirty="0">
-                <a:solidFill>
-                  <a:schemeClr val="tx1">
-                    <a:lumMod val="50000"/>
-                    <a:lumOff val="50000"/>
-                  </a:schemeClr>
-                </a:solidFill>
-                <a:latin typeface="바탕"/>
-                <a:ea typeface="바탕"/>
-              </a:rPr>
-              <a:t>Python </a:t>
-            </a:r>
-            <a:r>
-              <a:rPr lang="ko-KR" altLang="en-US" dirty="0">
-                <a:solidFill>
-                  <a:schemeClr val="tx1">
-                    <a:lumMod val="50000"/>
-                    <a:lumOff val="50000"/>
-                  </a:schemeClr>
-                </a:solidFill>
-                <a:latin typeface="바탕"/>
-                <a:ea typeface="바탕"/>
-              </a:rPr>
-              <a:t>영상처리</a:t>
-            </a:r>
-            <a:endParaRPr lang="en-US" altLang="ko-KR" dirty="0">
-              <a:solidFill>
-                <a:schemeClr val="tx1">
-                  <a:lumMod val="50000"/>
-                  <a:lumOff val="50000"/>
-                </a:schemeClr>
-              </a:solidFill>
-              <a:latin typeface="바탕"/>
-              <a:ea typeface="바탕"/>
-            </a:endParaRPr>
-          </a:p>
-          <a:p>
-            <a:pPr>
-              <a:lnSpc>
-                <a:spcPct val="120000"/>
-              </a:lnSpc>
-              <a:defRPr/>
-            </a:pPr>
-            <a:r>
-              <a:rPr lang="en-US" altLang="ko-KR" dirty="0">
-                <a:solidFill>
-                  <a:schemeClr val="tx1">
-                    <a:lumMod val="50000"/>
-                    <a:lumOff val="50000"/>
-                  </a:schemeClr>
-                </a:solidFill>
-                <a:latin typeface="바탕"/>
-                <a:ea typeface="바탕"/>
-              </a:rPr>
-              <a:t>    =&gt; </a:t>
-            </a:r>
-            <a:r>
-              <a:rPr lang="ko-KR" altLang="en-US" dirty="0">
-                <a:solidFill>
-                  <a:schemeClr val="tx1">
-                    <a:lumMod val="50000"/>
-                    <a:lumOff val="50000"/>
-                  </a:schemeClr>
-                </a:solidFill>
-                <a:latin typeface="바탕"/>
-                <a:ea typeface="바탕"/>
-              </a:rPr>
-              <a:t>제어 이론 공부하고 시간이 남을 때마다 조금씩</a:t>
-            </a:r>
-            <a:r>
-              <a:rPr lang="en-US" altLang="ko-KR" dirty="0">
-                <a:solidFill>
-                  <a:schemeClr val="tx1">
-                    <a:lumMod val="50000"/>
-                    <a:lumOff val="50000"/>
-                  </a:schemeClr>
-                </a:solidFill>
-                <a:latin typeface="바탕"/>
-                <a:ea typeface="바탕"/>
-              </a:rPr>
-              <a:t>(</a:t>
-            </a:r>
-            <a:r>
-              <a:rPr lang="ko-KR" altLang="en-US" dirty="0" err="1">
-                <a:solidFill>
-                  <a:schemeClr val="tx1">
-                    <a:lumMod val="50000"/>
-                    <a:lumOff val="50000"/>
-                  </a:schemeClr>
-                </a:solidFill>
-                <a:latin typeface="바탕"/>
-                <a:ea typeface="바탕"/>
-              </a:rPr>
-              <a:t>ㅠㅠ</a:t>
-            </a:r>
-            <a:r>
-              <a:rPr lang="en-US" altLang="ko-KR" dirty="0">
-                <a:solidFill>
-                  <a:schemeClr val="tx1">
-                    <a:lumMod val="50000"/>
-                    <a:lumOff val="50000"/>
-                  </a:schemeClr>
-                </a:solidFill>
-                <a:latin typeface="바탕"/>
-                <a:ea typeface="바탕"/>
-              </a:rPr>
-              <a:t>)</a:t>
-            </a:r>
-          </a:p>
-          <a:p>
-            <a:pPr>
-              <a:lnSpc>
-                <a:spcPct val="120000"/>
-              </a:lnSpc>
-              <a:defRPr/>
-            </a:pPr>
-            <a:endParaRPr lang="en-US" altLang="ko-KR" dirty="0">
-              <a:solidFill>
-                <a:schemeClr val="tx1">
-                  <a:lumMod val="50000"/>
-                  <a:lumOff val="50000"/>
-                </a:schemeClr>
-              </a:solidFill>
-              <a:latin typeface="바탕"/>
-              <a:ea typeface="바탕"/>
-            </a:endParaRPr>
-          </a:p>
         </p:txBody>
       </p:sp>
       <p:sp>
@@ -7884,7 +7829,7 @@
         </p:nvSpPr>
         <p:spPr>
           <a:xfrm>
-            <a:off x="2099958" y="1993844"/>
+            <a:off x="935392" y="570271"/>
             <a:ext cx="1862891" cy="400110"/>
           </a:xfrm>
           <a:prstGeom prst="rect">
@@ -7983,142 +7928,991 @@
           </p:pic>
         </mc:Fallback>
       </mc:AlternateContent>
-      <p:sp>
-        <p:nvSpPr>
-          <p:cNvPr id="11" name="TextBox 10">
+      <p:graphicFrame>
+        <p:nvGraphicFramePr>
+          <p:cNvPr id="2" name="표 2">
             <a:extLst>
               <a:ext uri="{FF2B5EF4-FFF2-40B4-BE49-F238E27FC236}">
-                <a16:creationId xmlns:a16="http://schemas.microsoft.com/office/drawing/2014/main" id="{5F973CD8-1FF7-4C31-AD1C-F84A08FA0DC0}"/>
+                <a16:creationId xmlns:a16="http://schemas.microsoft.com/office/drawing/2014/main" id="{54B816D5-BC61-45BC-BA40-20B14E3DC838}"/>
               </a:ext>
             </a:extLst>
           </p:cNvPr>
-          <p:cNvSpPr txBox="1"/>
-          <p:nvPr/>
-        </p:nvSpPr>
-        <p:spPr>
-          <a:xfrm>
-            <a:off x="3281363" y="455203"/>
-            <a:ext cx="5629275" cy="412870"/>
-          </a:xfrm>
-          <a:prstGeom prst="rect">
-            <a:avLst/>
-          </a:prstGeom>
-          <a:noFill/>
-        </p:spPr>
-        <p:txBody>
-          <a:bodyPr wrap="square">
-            <a:spAutoFit/>
-          </a:bodyPr>
-          <a:lstStyle/>
-          <a:p>
-            <a:pPr algn="dist">
-              <a:lnSpc>
-                <a:spcPct val="120000"/>
-              </a:lnSpc>
-              <a:defRPr/>
-            </a:pPr>
-            <a:r>
-              <a:rPr lang="en-US" altLang="ko-KR" sz="2000" dirty="0">
-                <a:ln w="9525">
-                  <a:solidFill>
-                    <a:schemeClr val="bg1">
-                      <a:alpha val="30000"/>
-                    </a:schemeClr>
-                  </a:solidFill>
-                </a:ln>
-                <a:solidFill>
-                  <a:schemeClr val="bg1"/>
-                </a:solidFill>
-                <a:latin typeface="바탕"/>
-                <a:ea typeface="바탕"/>
-              </a:rPr>
-              <a:t>2020.04.02(</a:t>
-            </a:r>
-            <a:r>
-              <a:rPr lang="ko-KR" altLang="en-US" sz="2000" dirty="0">
-                <a:ln w="9525">
-                  <a:solidFill>
-                    <a:schemeClr val="bg1">
-                      <a:alpha val="30000"/>
-                    </a:schemeClr>
-                  </a:solidFill>
-                </a:ln>
-                <a:solidFill>
-                  <a:schemeClr val="bg1"/>
-                </a:solidFill>
-                <a:latin typeface="바탕"/>
-                <a:ea typeface="바탕"/>
-              </a:rPr>
-              <a:t>목</a:t>
-            </a:r>
-            <a:r>
-              <a:rPr lang="en-US" altLang="ko-KR" sz="2000" dirty="0">
-                <a:ln w="9525">
-                  <a:solidFill>
-                    <a:schemeClr val="bg1">
-                      <a:alpha val="30000"/>
-                    </a:schemeClr>
-                  </a:solidFill>
-                </a:ln>
-                <a:solidFill>
-                  <a:schemeClr val="bg1"/>
-                </a:solidFill>
-                <a:latin typeface="바탕"/>
-                <a:ea typeface="바탕"/>
-              </a:rPr>
-              <a:t>)~2020.04.08(</a:t>
-            </a:r>
-            <a:r>
-              <a:rPr lang="ko-KR" altLang="en-US" sz="2000" dirty="0">
-                <a:ln w="9525">
-                  <a:solidFill>
-                    <a:schemeClr val="bg1">
-                      <a:alpha val="30000"/>
-                    </a:schemeClr>
-                  </a:solidFill>
-                </a:ln>
-                <a:solidFill>
-                  <a:schemeClr val="bg1"/>
-                </a:solidFill>
-                <a:latin typeface="바탕"/>
-                <a:ea typeface="바탕"/>
-              </a:rPr>
-              <a:t>수</a:t>
-            </a:r>
-            <a:r>
-              <a:rPr lang="en-US" altLang="ko-KR" sz="2000" dirty="0">
-                <a:ln w="9525">
-                  <a:solidFill>
-                    <a:schemeClr val="bg1">
-                      <a:alpha val="30000"/>
-                    </a:schemeClr>
-                  </a:solidFill>
-                </a:ln>
-                <a:solidFill>
-                  <a:schemeClr val="bg1"/>
-                </a:solidFill>
-                <a:latin typeface="바탕"/>
-                <a:ea typeface="바탕"/>
-              </a:rPr>
-              <a:t>)</a:t>
-            </a:r>
-            <a:endParaRPr lang="ko-KR" altLang="en-US" sz="2000" dirty="0">
-              <a:ln w="9525">
-                <a:solidFill>
-                  <a:schemeClr val="bg1">
-                    <a:alpha val="30000"/>
-                  </a:schemeClr>
-                </a:solidFill>
-              </a:ln>
-              <a:solidFill>
-                <a:schemeClr val="bg1"/>
-              </a:solidFill>
-              <a:latin typeface="바탕"/>
-              <a:ea typeface="바탕"/>
-            </a:endParaRPr>
-          </a:p>
-        </p:txBody>
-      </p:sp>
+          <p:cNvGraphicFramePr>
+            <a:graphicFrameLocks noGrp="1"/>
+          </p:cNvGraphicFramePr>
+          <p:nvPr>
+            <p:extLst>
+              <p:ext uri="{D42A27DB-BD31-4B8C-83A1-F6EECF244321}">
+                <p14:modId xmlns:p14="http://schemas.microsoft.com/office/powerpoint/2010/main" val="3221855918"/>
+              </p:ext>
+            </p:extLst>
+          </p:nvPr>
+        </p:nvGraphicFramePr>
+        <p:xfrm>
+          <a:off x="1104568" y="2252529"/>
+          <a:ext cx="10217508" cy="3847669"/>
+        </p:xfrm>
+        <a:graphic>
+          <a:graphicData uri="http://schemas.openxmlformats.org/drawingml/2006/table">
+            <a:tbl>
+              <a:tblPr firstRow="1" bandRow="1">
+                <a:tableStyleId>{5C22544A-7EE6-4342-B048-85BDC9FD1C3A}</a:tableStyleId>
+              </a:tblPr>
+              <a:tblGrid>
+                <a:gridCol w="1459644">
+                  <a:extLst>
+                    <a:ext uri="{9D8B030D-6E8A-4147-A177-3AD203B41FA5}">
+                      <a16:colId xmlns:a16="http://schemas.microsoft.com/office/drawing/2014/main" val="182931906"/>
+                    </a:ext>
+                  </a:extLst>
+                </a:gridCol>
+                <a:gridCol w="1459644">
+                  <a:extLst>
+                    <a:ext uri="{9D8B030D-6E8A-4147-A177-3AD203B41FA5}">
+                      <a16:colId xmlns:a16="http://schemas.microsoft.com/office/drawing/2014/main" val="3847938662"/>
+                    </a:ext>
+                  </a:extLst>
+                </a:gridCol>
+                <a:gridCol w="1459644">
+                  <a:extLst>
+                    <a:ext uri="{9D8B030D-6E8A-4147-A177-3AD203B41FA5}">
+                      <a16:colId xmlns:a16="http://schemas.microsoft.com/office/drawing/2014/main" val="261889042"/>
+                    </a:ext>
+                  </a:extLst>
+                </a:gridCol>
+                <a:gridCol w="1459644">
+                  <a:extLst>
+                    <a:ext uri="{9D8B030D-6E8A-4147-A177-3AD203B41FA5}">
+                      <a16:colId xmlns:a16="http://schemas.microsoft.com/office/drawing/2014/main" val="3427858330"/>
+                    </a:ext>
+                  </a:extLst>
+                </a:gridCol>
+                <a:gridCol w="1459644">
+                  <a:extLst>
+                    <a:ext uri="{9D8B030D-6E8A-4147-A177-3AD203B41FA5}">
+                      <a16:colId xmlns:a16="http://schemas.microsoft.com/office/drawing/2014/main" val="471402544"/>
+                    </a:ext>
+                  </a:extLst>
+                </a:gridCol>
+                <a:gridCol w="1459644">
+                  <a:extLst>
+                    <a:ext uri="{9D8B030D-6E8A-4147-A177-3AD203B41FA5}">
+                      <a16:colId xmlns:a16="http://schemas.microsoft.com/office/drawing/2014/main" val="2875996120"/>
+                    </a:ext>
+                  </a:extLst>
+                </a:gridCol>
+                <a:gridCol w="1459644">
+                  <a:extLst>
+                    <a:ext uri="{9D8B030D-6E8A-4147-A177-3AD203B41FA5}">
+                      <a16:colId xmlns:a16="http://schemas.microsoft.com/office/drawing/2014/main" val="708948818"/>
+                    </a:ext>
+                  </a:extLst>
+                </a:gridCol>
+              </a:tblGrid>
+              <a:tr h="388189">
+                <a:tc>
+                  <a:txBody>
+                    <a:bodyPr/>
+                    <a:lstStyle/>
+                    <a:p>
+                      <a:pPr algn="ctr" latinLnBrk="1"/>
+                      <a:r>
+                        <a:rPr lang="en-US" altLang="ko-KR" dirty="0"/>
+                        <a:t>4/15(</a:t>
+                      </a:r>
+                      <a:r>
+                        <a:rPr lang="ko-KR" altLang="en-US" dirty="0"/>
+                        <a:t>수</a:t>
+                      </a:r>
+                      <a:r>
+                        <a:rPr lang="en-US" altLang="ko-KR" dirty="0"/>
+                        <a:t>)</a:t>
+                      </a:r>
+                      <a:endParaRPr lang="ko-KR" altLang="en-US" dirty="0"/>
+                    </a:p>
+                  </a:txBody>
+                  <a:tcPr/>
+                </a:tc>
+                <a:tc>
+                  <a:txBody>
+                    <a:bodyPr/>
+                    <a:lstStyle/>
+                    <a:p>
+                      <a:pPr algn="ctr" latinLnBrk="1"/>
+                      <a:r>
+                        <a:rPr lang="en-US" altLang="ko-KR" dirty="0"/>
+                        <a:t>4/16(</a:t>
+                      </a:r>
+                      <a:r>
+                        <a:rPr lang="ko-KR" altLang="en-US" dirty="0"/>
+                        <a:t>목</a:t>
+                      </a:r>
+                      <a:r>
+                        <a:rPr lang="en-US" altLang="ko-KR" dirty="0"/>
+                        <a:t>)</a:t>
+                      </a:r>
+                      <a:endParaRPr lang="ko-KR" altLang="en-US" dirty="0"/>
+                    </a:p>
+                  </a:txBody>
+                  <a:tcPr/>
+                </a:tc>
+                <a:tc>
+                  <a:txBody>
+                    <a:bodyPr/>
+                    <a:lstStyle/>
+                    <a:p>
+                      <a:pPr algn="ctr" latinLnBrk="1"/>
+                      <a:r>
+                        <a:rPr lang="en-US" altLang="ko-KR" dirty="0"/>
+                        <a:t>4/17(</a:t>
+                      </a:r>
+                      <a:r>
+                        <a:rPr lang="ko-KR" altLang="en-US" dirty="0"/>
+                        <a:t>금</a:t>
+                      </a:r>
+                      <a:r>
+                        <a:rPr lang="en-US" altLang="ko-KR" dirty="0"/>
+                        <a:t>)</a:t>
+                      </a:r>
+                      <a:endParaRPr lang="ko-KR" altLang="en-US" dirty="0"/>
+                    </a:p>
+                  </a:txBody>
+                  <a:tcPr/>
+                </a:tc>
+                <a:tc>
+                  <a:txBody>
+                    <a:bodyPr/>
+                    <a:lstStyle/>
+                    <a:p>
+                      <a:pPr algn="ctr" latinLnBrk="1"/>
+                      <a:r>
+                        <a:rPr lang="en-US" altLang="ko-KR" dirty="0"/>
+                        <a:t>4/18(</a:t>
+                      </a:r>
+                      <a:r>
+                        <a:rPr lang="ko-KR" altLang="en-US" dirty="0"/>
+                        <a:t>토</a:t>
+                      </a:r>
+                      <a:r>
+                        <a:rPr lang="en-US" altLang="ko-KR" dirty="0"/>
+                        <a:t>)</a:t>
+                      </a:r>
+                      <a:endParaRPr lang="ko-KR" altLang="en-US" dirty="0"/>
+                    </a:p>
+                  </a:txBody>
+                  <a:tcPr/>
+                </a:tc>
+                <a:tc>
+                  <a:txBody>
+                    <a:bodyPr/>
+                    <a:lstStyle/>
+                    <a:p>
+                      <a:pPr algn="ctr" latinLnBrk="1"/>
+                      <a:r>
+                        <a:rPr lang="en-US" altLang="ko-KR" dirty="0"/>
+                        <a:t>4/19(</a:t>
+                      </a:r>
+                      <a:r>
+                        <a:rPr lang="ko-KR" altLang="en-US" dirty="0"/>
+                        <a:t>일</a:t>
+                      </a:r>
+                      <a:r>
+                        <a:rPr lang="en-US" altLang="ko-KR" dirty="0"/>
+                        <a:t>)</a:t>
+                      </a:r>
+                      <a:endParaRPr lang="ko-KR" altLang="en-US" dirty="0"/>
+                    </a:p>
+                  </a:txBody>
+                  <a:tcPr/>
+                </a:tc>
+                <a:tc>
+                  <a:txBody>
+                    <a:bodyPr/>
+                    <a:lstStyle/>
+                    <a:p>
+                      <a:pPr algn="ctr" latinLnBrk="1"/>
+                      <a:r>
+                        <a:rPr lang="en-US" altLang="ko-KR" dirty="0"/>
+                        <a:t>4/20(</a:t>
+                      </a:r>
+                      <a:r>
+                        <a:rPr lang="ko-KR" altLang="en-US" dirty="0"/>
+                        <a:t>월</a:t>
+                      </a:r>
+                      <a:r>
+                        <a:rPr lang="en-US" altLang="ko-KR" dirty="0"/>
+                        <a:t>)</a:t>
+                      </a:r>
+                      <a:endParaRPr lang="ko-KR" altLang="en-US" dirty="0"/>
+                    </a:p>
+                  </a:txBody>
+                  <a:tcPr/>
+                </a:tc>
+                <a:tc>
+                  <a:txBody>
+                    <a:bodyPr/>
+                    <a:lstStyle/>
+                    <a:p>
+                      <a:pPr algn="ctr" latinLnBrk="1"/>
+                      <a:r>
+                        <a:rPr lang="en-US" altLang="ko-KR" dirty="0"/>
+                        <a:t>4/21(</a:t>
+                      </a:r>
+                      <a:r>
+                        <a:rPr lang="ko-KR" altLang="en-US" dirty="0"/>
+                        <a:t>화</a:t>
+                      </a:r>
+                      <a:r>
+                        <a:rPr lang="en-US" altLang="ko-KR" dirty="0"/>
+                        <a:t>)</a:t>
+                      </a:r>
+                      <a:endParaRPr lang="ko-KR" altLang="en-US" dirty="0"/>
+                    </a:p>
+                  </a:txBody>
+                  <a:tcPr/>
+                </a:tc>
+                <a:extLst>
+                  <a:ext uri="{0D108BD9-81ED-4DB2-BD59-A6C34878D82A}">
+                    <a16:rowId xmlns:a16="http://schemas.microsoft.com/office/drawing/2014/main" val="2108657530"/>
+                  </a:ext>
+                </a:extLst>
+              </a:tr>
+              <a:tr h="3410093">
+                <a:tc>
+                  <a:txBody>
+                    <a:bodyPr/>
+                    <a:lstStyle/>
+                    <a:p>
+                      <a:pPr algn="ctr" latinLnBrk="1"/>
+                      <a:r>
+                        <a:rPr lang="ko-KR" altLang="en-US" sz="1300" dirty="0"/>
+                        <a:t>반공 과제</a:t>
+                      </a:r>
+                      <a:r>
+                        <a:rPr lang="en-US" altLang="ko-KR" sz="1300" dirty="0"/>
+                        <a:t>(3)</a:t>
+                      </a:r>
+                    </a:p>
+                    <a:p>
+                      <a:pPr algn="ctr" latinLnBrk="1"/>
+                      <a:endParaRPr lang="en-US" altLang="ko-KR" sz="1300" dirty="0"/>
+                    </a:p>
+                    <a:p>
+                      <a:pPr algn="ctr" latinLnBrk="1"/>
+                      <a:endParaRPr lang="en-US" altLang="ko-KR" sz="1300" dirty="0"/>
+                    </a:p>
+                    <a:p>
+                      <a:pPr algn="ctr" latinLnBrk="1"/>
+                      <a:r>
+                        <a:rPr lang="ko-KR" altLang="en-US" sz="1300" dirty="0"/>
+                        <a:t>반공</a:t>
+                      </a:r>
+                      <a:r>
+                        <a:rPr lang="en-US" altLang="ko-KR" sz="1300" dirty="0"/>
+                        <a:t>/C++ </a:t>
+                      </a:r>
+                      <a:r>
+                        <a:rPr lang="ko-KR" altLang="en-US" sz="1300" dirty="0"/>
+                        <a:t>인강</a:t>
+                      </a:r>
+                      <a:endParaRPr lang="en-US" altLang="ko-KR" sz="1300" dirty="0"/>
+                    </a:p>
+                    <a:p>
+                      <a:pPr algn="ctr" latinLnBrk="1"/>
+                      <a:endParaRPr lang="en-US" altLang="ko-KR" sz="1300" dirty="0"/>
+                    </a:p>
+                    <a:p>
+                      <a:pPr algn="ctr" latinLnBrk="1"/>
+                      <a:endParaRPr lang="en-US" altLang="ko-KR" sz="1300" dirty="0"/>
+                    </a:p>
+                    <a:p>
+                      <a:pPr algn="ctr" latinLnBrk="1"/>
+                      <a:r>
+                        <a:rPr lang="ko-KR" altLang="en-US" sz="1300" dirty="0"/>
+                        <a:t>반공</a:t>
+                      </a:r>
+                      <a:r>
+                        <a:rPr lang="en-US" altLang="ko-KR" sz="1300" dirty="0"/>
+                        <a:t>/C++</a:t>
+                      </a:r>
+                      <a:r>
+                        <a:rPr lang="ko-KR" altLang="en-US" sz="1300" dirty="0"/>
+                        <a:t> 복습</a:t>
+                      </a:r>
+                      <a:endParaRPr lang="en-US" altLang="ko-KR" sz="1300" dirty="0"/>
+                    </a:p>
+                    <a:p>
+                      <a:pPr algn="ctr" latinLnBrk="1"/>
+                      <a:endParaRPr lang="en-US" altLang="ko-KR" sz="1300" dirty="0"/>
+                    </a:p>
+                    <a:p>
+                      <a:pPr algn="ctr" latinLnBrk="1"/>
+                      <a:r>
+                        <a:rPr lang="en-US" altLang="ko-KR" sz="1300" dirty="0"/>
+                        <a:t>DSP 1</a:t>
+                      </a:r>
+                      <a:r>
+                        <a:rPr lang="ko-KR" altLang="en-US" sz="1300" dirty="0"/>
+                        <a:t>장</a:t>
+                      </a:r>
+                      <a:r>
+                        <a:rPr lang="en-US" altLang="ko-KR" sz="1300" dirty="0"/>
+                        <a:t>~2</a:t>
+                      </a:r>
+                      <a:r>
+                        <a:rPr lang="ko-KR" altLang="en-US" sz="1300" dirty="0"/>
+                        <a:t>장 복습</a:t>
+                      </a:r>
+                      <a:endParaRPr lang="en-US" altLang="ko-KR" sz="1300" dirty="0"/>
+                    </a:p>
+                    <a:p>
+                      <a:pPr algn="ctr" latinLnBrk="1"/>
+                      <a:endParaRPr lang="en-US" altLang="ko-KR" sz="1300" dirty="0"/>
+                    </a:p>
+                    <a:p>
+                      <a:pPr algn="ctr" latinLnBrk="1"/>
+                      <a:r>
+                        <a:rPr lang="ko-KR" altLang="en-US" sz="1300" dirty="0"/>
+                        <a:t>자제 </a:t>
+                      </a:r>
+                      <a:r>
+                        <a:rPr lang="en-US" altLang="ko-KR" sz="1300" dirty="0"/>
+                        <a:t>3</a:t>
+                      </a:r>
+                      <a:r>
+                        <a:rPr lang="ko-KR" altLang="en-US" sz="1300" dirty="0"/>
+                        <a:t>장 복습</a:t>
+                      </a:r>
+                      <a:endParaRPr lang="en-US" altLang="ko-KR" sz="1300" dirty="0"/>
+                    </a:p>
+                    <a:p>
+                      <a:pPr algn="ctr" latinLnBrk="1"/>
+                      <a:endParaRPr lang="en-US" altLang="ko-KR" sz="1300" dirty="0"/>
+                    </a:p>
+                    <a:p>
+                      <a:pPr algn="ctr" latinLnBrk="1"/>
+                      <a:endParaRPr lang="en-US" altLang="ko-KR" sz="1300" dirty="0"/>
+                    </a:p>
+                    <a:p>
+                      <a:pPr algn="ctr" latinLnBrk="1"/>
+                      <a:r>
+                        <a:rPr lang="en-US" altLang="ko-KR" sz="1300" dirty="0"/>
+                        <a:t>DSP </a:t>
+                      </a:r>
+                      <a:r>
+                        <a:rPr lang="ko-KR" altLang="en-US" sz="1300" dirty="0"/>
+                        <a:t>처음 </a:t>
+                      </a:r>
+                      <a:r>
+                        <a:rPr lang="en-US" altLang="ko-KR" sz="1300" dirty="0"/>
+                        <a:t>~ </a:t>
+                      </a:r>
+                      <a:r>
+                        <a:rPr lang="ko-KR" altLang="en-US" sz="1300" dirty="0"/>
+                        <a:t>배운데 까지 복습</a:t>
+                      </a:r>
+                      <a:r>
+                        <a:rPr lang="en-US" altLang="ko-KR" sz="1300" dirty="0"/>
+                        <a:t>(1)</a:t>
+                      </a:r>
+                    </a:p>
+                    <a:p>
+                      <a:pPr algn="ctr" latinLnBrk="1"/>
+                      <a:endParaRPr lang="en-US" altLang="ko-KR" sz="1300" dirty="0"/>
+                    </a:p>
+                  </a:txBody>
+                  <a:tcPr/>
+                </a:tc>
+                <a:tc>
+                  <a:txBody>
+                    <a:bodyPr/>
+                    <a:lstStyle/>
+                    <a:p>
+                      <a:pPr algn="ctr" latinLnBrk="1"/>
+                      <a:r>
+                        <a:rPr lang="ko-KR" altLang="en-US" sz="1300" dirty="0"/>
+                        <a:t>반공 과제</a:t>
+                      </a:r>
+                      <a:r>
+                        <a:rPr lang="en-US" altLang="ko-KR" sz="1300" dirty="0"/>
+                        <a:t>(3)</a:t>
+                      </a:r>
+                    </a:p>
+                    <a:p>
+                      <a:pPr marL="0" marR="0" lvl="0" indent="0" algn="ctr" defTabSz="914400" rtl="0" eaLnBrk="1" fontAlgn="auto" latinLnBrk="1" hangingPunct="1">
+                        <a:lnSpc>
+                          <a:spcPct val="100000"/>
+                        </a:lnSpc>
+                        <a:spcBef>
+                          <a:spcPts val="0"/>
+                        </a:spcBef>
+                        <a:spcAft>
+                          <a:spcPts val="0"/>
+                        </a:spcAft>
+                        <a:buClrTx/>
+                        <a:buSzTx/>
+                        <a:buFontTx/>
+                        <a:buNone/>
+                        <a:tabLst/>
+                        <a:defRPr/>
+                      </a:pPr>
+                      <a:r>
+                        <a:rPr lang="ko-KR" altLang="en-US" sz="1300" dirty="0"/>
+                        <a:t>통신 과제</a:t>
+                      </a:r>
+                      <a:endParaRPr lang="en-US" altLang="ko-KR" sz="1300" dirty="0"/>
+                    </a:p>
+                    <a:p>
+                      <a:pPr algn="ctr" latinLnBrk="1"/>
+                      <a:endParaRPr lang="en-US" altLang="ko-KR" sz="1300" dirty="0"/>
+                    </a:p>
+                    <a:p>
+                      <a:pPr algn="ctr" latinLnBrk="1"/>
+                      <a:r>
+                        <a:rPr lang="ko-KR" altLang="en-US" sz="1300" dirty="0"/>
+                        <a:t>통신</a:t>
+                      </a:r>
+                      <a:r>
+                        <a:rPr lang="en-US" altLang="ko-KR" sz="1300" dirty="0"/>
+                        <a:t>/</a:t>
+                      </a:r>
+                      <a:r>
+                        <a:rPr lang="ko-KR" altLang="en-US" sz="1300" dirty="0"/>
+                        <a:t>자제</a:t>
+                      </a:r>
+                      <a:r>
+                        <a:rPr lang="en-US" altLang="ko-KR" sz="1300" dirty="0"/>
+                        <a:t>/</a:t>
+                      </a:r>
+                      <a:r>
+                        <a:rPr lang="ko-KR" altLang="en-US" sz="1300" dirty="0" err="1"/>
+                        <a:t>취설</a:t>
+                      </a:r>
+                      <a:r>
+                        <a:rPr lang="ko-KR" altLang="en-US" sz="1300" dirty="0"/>
+                        <a:t> 인강</a:t>
+                      </a:r>
+                      <a:endParaRPr lang="en-US" altLang="ko-KR" sz="1300" dirty="0"/>
+                    </a:p>
+                    <a:p>
+                      <a:pPr algn="ctr" latinLnBrk="1"/>
+                      <a:endParaRPr lang="en-US" altLang="ko-KR" sz="1300" dirty="0"/>
+                    </a:p>
+                    <a:p>
+                      <a:pPr marL="0" marR="0" lvl="0" indent="0" algn="ctr" defTabSz="914400" rtl="0" eaLnBrk="1" fontAlgn="auto" latinLnBrk="1" hangingPunct="1">
+                        <a:lnSpc>
+                          <a:spcPct val="100000"/>
+                        </a:lnSpc>
+                        <a:spcBef>
+                          <a:spcPts val="0"/>
+                        </a:spcBef>
+                        <a:spcAft>
+                          <a:spcPts val="0"/>
+                        </a:spcAft>
+                        <a:buClrTx/>
+                        <a:buSzTx/>
+                        <a:buFontTx/>
+                        <a:buNone/>
+                        <a:tabLst/>
+                        <a:defRPr/>
+                      </a:pPr>
+                      <a:r>
+                        <a:rPr lang="ko-KR" altLang="en-US" sz="1300" dirty="0"/>
+                        <a:t>통신</a:t>
+                      </a:r>
+                      <a:r>
+                        <a:rPr lang="en-US" altLang="ko-KR" sz="1300" dirty="0"/>
+                        <a:t>/</a:t>
+                      </a:r>
+                      <a:r>
+                        <a:rPr lang="ko-KR" altLang="en-US" sz="1300" dirty="0"/>
+                        <a:t>자제 복습</a:t>
+                      </a:r>
+                      <a:endParaRPr lang="en-US" altLang="ko-KR" sz="1300" dirty="0"/>
+                    </a:p>
+                    <a:p>
+                      <a:pPr algn="ctr" latinLnBrk="1"/>
+                      <a:endParaRPr lang="en-US" altLang="ko-KR" sz="1300" dirty="0"/>
+                    </a:p>
+                    <a:p>
+                      <a:pPr algn="ctr" latinLnBrk="1"/>
+                      <a:r>
+                        <a:rPr lang="en-US" altLang="ko-KR" sz="1300" dirty="0"/>
+                        <a:t>DSP </a:t>
+                      </a:r>
+                      <a:r>
+                        <a:rPr lang="ko-KR" altLang="en-US" sz="1300" dirty="0"/>
+                        <a:t>퀴즈</a:t>
+                      </a:r>
+                      <a:endParaRPr lang="en-US" altLang="ko-KR" sz="1300" dirty="0"/>
+                    </a:p>
+                    <a:p>
+                      <a:pPr algn="ctr" latinLnBrk="1"/>
+                      <a:endParaRPr lang="en-US" altLang="ko-KR" sz="1300" dirty="0"/>
+                    </a:p>
+                    <a:p>
+                      <a:pPr algn="ctr" latinLnBrk="1"/>
+                      <a:r>
+                        <a:rPr lang="ko-KR" altLang="en-US" sz="1300" dirty="0"/>
+                        <a:t>통신 처음</a:t>
+                      </a:r>
+                      <a:r>
+                        <a:rPr lang="en-US" altLang="ko-KR" sz="1300" dirty="0"/>
+                        <a:t>~ </a:t>
+                      </a:r>
+                      <a:r>
+                        <a:rPr lang="ko-KR" altLang="en-US" sz="1300" dirty="0"/>
+                        <a:t>배운데 까지 복습</a:t>
+                      </a:r>
+                      <a:r>
+                        <a:rPr lang="en-US" altLang="ko-KR" sz="1300" dirty="0"/>
+                        <a:t>(1)</a:t>
+                      </a:r>
+                    </a:p>
+                  </a:txBody>
+                  <a:tcPr/>
+                </a:tc>
+                <a:tc>
+                  <a:txBody>
+                    <a:bodyPr/>
+                    <a:lstStyle/>
+                    <a:p>
+                      <a:pPr algn="ctr" latinLnBrk="1"/>
+                      <a:r>
+                        <a:rPr lang="ko-KR" altLang="en-US" sz="1300" dirty="0"/>
+                        <a:t>반공 과제</a:t>
+                      </a:r>
+                      <a:r>
+                        <a:rPr lang="en-US" altLang="ko-KR" sz="1300" dirty="0"/>
+                        <a:t>(3)</a:t>
+                      </a:r>
+                    </a:p>
+                    <a:p>
+                      <a:pPr algn="ctr" latinLnBrk="1"/>
+                      <a:endParaRPr lang="en-US" altLang="ko-KR" sz="1300" dirty="0"/>
+                    </a:p>
+                    <a:p>
+                      <a:pPr algn="ctr" latinLnBrk="1"/>
+                      <a:endParaRPr lang="en-US" altLang="ko-KR" sz="1300" dirty="0"/>
+                    </a:p>
+                    <a:p>
+                      <a:pPr algn="ctr" latinLnBrk="1"/>
+                      <a:r>
+                        <a:rPr lang="ko-KR" altLang="en-US" sz="1300" dirty="0"/>
+                        <a:t>반공</a:t>
+                      </a:r>
+                      <a:r>
+                        <a:rPr lang="en-US" altLang="ko-KR" sz="1300" dirty="0"/>
+                        <a:t>/DSP/</a:t>
+                      </a:r>
+                      <a:r>
+                        <a:rPr lang="ko-KR" altLang="en-US" sz="1300" dirty="0"/>
+                        <a:t>세미나</a:t>
+                      </a:r>
+                      <a:r>
+                        <a:rPr lang="en-US" altLang="ko-KR" sz="1300" dirty="0"/>
+                        <a:t> </a:t>
+                      </a:r>
+                      <a:r>
+                        <a:rPr lang="ko-KR" altLang="en-US" sz="1300" dirty="0"/>
+                        <a:t>인강</a:t>
+                      </a:r>
+                      <a:endParaRPr lang="en-US" altLang="ko-KR" sz="1300" dirty="0"/>
+                    </a:p>
+                    <a:p>
+                      <a:pPr algn="ctr" latinLnBrk="1"/>
+                      <a:endParaRPr lang="en-US" altLang="ko-KR" sz="1300" dirty="0"/>
+                    </a:p>
+                    <a:p>
+                      <a:pPr algn="ctr" latinLnBrk="1"/>
+                      <a:r>
+                        <a:rPr lang="ko-KR" altLang="en-US" sz="1300" dirty="0"/>
+                        <a:t>반공</a:t>
+                      </a:r>
+                      <a:r>
+                        <a:rPr lang="en-US" altLang="ko-KR" sz="1300" dirty="0"/>
+                        <a:t>/DSP </a:t>
+                      </a:r>
+                      <a:r>
+                        <a:rPr lang="ko-KR" altLang="en-US" sz="1300" dirty="0"/>
+                        <a:t>복습</a:t>
+                      </a:r>
+                      <a:endParaRPr lang="en-US" altLang="ko-KR" sz="1300" dirty="0"/>
+                    </a:p>
+                    <a:p>
+                      <a:pPr algn="ctr" latinLnBrk="1"/>
+                      <a:endParaRPr lang="en-US" altLang="ko-KR" sz="1300" dirty="0"/>
+                    </a:p>
+                    <a:p>
+                      <a:pPr algn="ctr" latinLnBrk="1"/>
+                      <a:r>
+                        <a:rPr lang="ko-KR" altLang="en-US" sz="1300" dirty="0"/>
+                        <a:t>반공 처음 </a:t>
+                      </a:r>
+                      <a:r>
+                        <a:rPr lang="en-US" altLang="ko-KR" sz="1300" dirty="0"/>
+                        <a:t>~ </a:t>
+                      </a:r>
+                      <a:r>
+                        <a:rPr lang="ko-KR" altLang="en-US" sz="1300" dirty="0"/>
+                        <a:t>배운데 까지 복습</a:t>
+                      </a:r>
+                      <a:r>
+                        <a:rPr lang="en-US" altLang="ko-KR" sz="1300" dirty="0"/>
+                        <a:t>(1)</a:t>
+                      </a:r>
+                    </a:p>
+                    <a:p>
+                      <a:pPr algn="ctr" latinLnBrk="1"/>
+                      <a:endParaRPr lang="en-US" altLang="ko-KR" sz="1300" dirty="0"/>
+                    </a:p>
+                    <a:p>
+                      <a:pPr algn="ctr" latinLnBrk="1"/>
+                      <a:r>
+                        <a:rPr lang="ko-KR" altLang="en-US" sz="1300" dirty="0"/>
+                        <a:t>자제 </a:t>
+                      </a:r>
+                      <a:r>
+                        <a:rPr lang="en-US" altLang="ko-KR" sz="1300" dirty="0"/>
+                        <a:t>2</a:t>
+                      </a:r>
+                      <a:r>
+                        <a:rPr lang="ko-KR" altLang="en-US" sz="1300" dirty="0"/>
+                        <a:t>장 복습</a:t>
+                      </a:r>
+                      <a:r>
+                        <a:rPr lang="en-US" altLang="ko-KR" sz="1300" dirty="0"/>
+                        <a:t>(1)</a:t>
+                      </a:r>
+                      <a:endParaRPr lang="ko-KR" altLang="en-US" sz="1300" dirty="0"/>
+                    </a:p>
+                  </a:txBody>
+                  <a:tcPr/>
+                </a:tc>
+                <a:tc>
+                  <a:txBody>
+                    <a:bodyPr/>
+                    <a:lstStyle/>
+                    <a:p>
+                      <a:pPr algn="ctr" latinLnBrk="1"/>
+                      <a:r>
+                        <a:rPr lang="ko-KR" altLang="en-US" sz="1300" dirty="0"/>
+                        <a:t>반공 과제</a:t>
+                      </a:r>
+                      <a:r>
+                        <a:rPr lang="en-US" altLang="ko-KR" sz="1300" dirty="0"/>
+                        <a:t>(3)</a:t>
+                      </a:r>
+                    </a:p>
+                    <a:p>
+                      <a:pPr algn="ctr" latinLnBrk="1"/>
+                      <a:r>
+                        <a:rPr lang="en-US" altLang="ko-KR" sz="1300" dirty="0"/>
+                        <a:t>C++ </a:t>
+                      </a:r>
+                      <a:r>
+                        <a:rPr lang="ko-KR" altLang="en-US" sz="1300" dirty="0"/>
+                        <a:t>과제</a:t>
+                      </a:r>
+                      <a:endParaRPr lang="en-US" altLang="ko-KR" sz="1300" dirty="0"/>
+                    </a:p>
+                    <a:p>
+                      <a:pPr algn="ctr" latinLnBrk="1"/>
+                      <a:r>
+                        <a:rPr lang="en-US" altLang="ko-KR" sz="1300" dirty="0"/>
+                        <a:t>DSP </a:t>
+                      </a:r>
+                      <a:r>
+                        <a:rPr lang="ko-KR" altLang="en-US" sz="1300" dirty="0"/>
+                        <a:t>과제</a:t>
+                      </a:r>
+                      <a:endParaRPr lang="en-US" altLang="ko-KR" sz="1300" dirty="0"/>
+                    </a:p>
+                    <a:p>
+                      <a:pPr algn="ctr" latinLnBrk="1"/>
+                      <a:endParaRPr lang="en-US" altLang="ko-KR" sz="1300" dirty="0"/>
+                    </a:p>
+                    <a:p>
+                      <a:pPr algn="ctr" latinLnBrk="1"/>
+                      <a:r>
+                        <a:rPr lang="en-US" altLang="ko-KR" sz="1300" dirty="0"/>
+                        <a:t>C++ </a:t>
+                      </a:r>
+                      <a:r>
+                        <a:rPr lang="ko-KR" altLang="en-US" sz="1300" dirty="0"/>
+                        <a:t>인강</a:t>
+                      </a:r>
+                      <a:endParaRPr lang="en-US" altLang="ko-KR" sz="1300" dirty="0"/>
+                    </a:p>
+                    <a:p>
+                      <a:pPr algn="ctr" latinLnBrk="1"/>
+                      <a:endParaRPr lang="en-US" altLang="ko-KR" sz="1300" dirty="0"/>
+                    </a:p>
+                    <a:p>
+                      <a:pPr algn="ctr" latinLnBrk="1"/>
+                      <a:r>
+                        <a:rPr lang="en-US" altLang="ko-KR" sz="1300" dirty="0"/>
+                        <a:t>C++ </a:t>
+                      </a:r>
+                      <a:r>
+                        <a:rPr lang="ko-KR" altLang="en-US" sz="1300" dirty="0"/>
+                        <a:t>복습</a:t>
+                      </a:r>
+                      <a:endParaRPr lang="en-US" altLang="ko-KR" sz="1300" dirty="0"/>
+                    </a:p>
+                    <a:p>
+                      <a:pPr algn="ctr" latinLnBrk="1"/>
+                      <a:endParaRPr lang="en-US" altLang="ko-KR" sz="1300" dirty="0"/>
+                    </a:p>
+                    <a:p>
+                      <a:pPr algn="ctr" latinLnBrk="1"/>
+                      <a:r>
+                        <a:rPr lang="ko-KR" altLang="en-US" sz="1300" dirty="0"/>
+                        <a:t>자제 </a:t>
+                      </a:r>
+                      <a:r>
+                        <a:rPr lang="en-US" altLang="ko-KR" sz="1300" dirty="0"/>
+                        <a:t>2</a:t>
+                      </a:r>
+                      <a:r>
+                        <a:rPr lang="ko-KR" altLang="en-US" sz="1300" dirty="0"/>
+                        <a:t>장 </a:t>
+                      </a:r>
+                      <a:r>
+                        <a:rPr lang="en-US" altLang="ko-KR" sz="1300" dirty="0"/>
+                        <a:t>(2)/DSP(2)/</a:t>
+                      </a:r>
+                      <a:r>
+                        <a:rPr lang="ko-KR" altLang="en-US" sz="1300" dirty="0"/>
+                        <a:t>통신</a:t>
+                      </a:r>
+                      <a:r>
+                        <a:rPr lang="en-US" altLang="ko-KR" sz="1300" dirty="0"/>
+                        <a:t>(2)</a:t>
+                      </a:r>
+                      <a:r>
+                        <a:rPr lang="ko-KR" altLang="en-US" sz="1300" dirty="0"/>
+                        <a:t> 복습</a:t>
+                      </a:r>
+                      <a:endParaRPr lang="en-US" altLang="ko-KR" sz="1300" dirty="0"/>
+                    </a:p>
+                    <a:p>
+                      <a:pPr algn="ctr" latinLnBrk="1"/>
+                      <a:endParaRPr lang="en-US" altLang="ko-KR" sz="1300" dirty="0"/>
+                    </a:p>
+                    <a:p>
+                      <a:pPr algn="ctr" latinLnBrk="1"/>
+                      <a:r>
+                        <a:rPr lang="ko-KR" altLang="en-US" sz="1300" dirty="0"/>
+                        <a:t>통신 책 읽기</a:t>
+                      </a:r>
+                      <a:endParaRPr lang="en-US" altLang="ko-KR" sz="1300" dirty="0"/>
+                    </a:p>
+                    <a:p>
+                      <a:pPr algn="ctr" latinLnBrk="1"/>
+                      <a:r>
+                        <a:rPr lang="en-US" altLang="ko-KR" sz="1300" dirty="0"/>
+                        <a:t>DSP </a:t>
+                      </a:r>
+                      <a:r>
+                        <a:rPr lang="ko-KR" altLang="en-US" sz="1300" dirty="0"/>
+                        <a:t>예제</a:t>
+                      </a:r>
+                      <a:r>
+                        <a:rPr lang="en-US" altLang="ko-KR" sz="1300" dirty="0"/>
+                        <a:t>(1)</a:t>
+                      </a:r>
+                    </a:p>
+                    <a:p>
+                      <a:pPr algn="ctr" latinLnBrk="1"/>
+                      <a:r>
+                        <a:rPr lang="en-US" altLang="ko-KR" sz="1300" dirty="0"/>
+                        <a:t>C++</a:t>
+                      </a:r>
+                      <a:r>
+                        <a:rPr lang="ko-KR" altLang="en-US" sz="1300" dirty="0"/>
+                        <a:t>실습</a:t>
+                      </a:r>
+                      <a:r>
+                        <a:rPr lang="en-US" altLang="ko-KR" sz="1300" dirty="0"/>
+                        <a:t>(1)</a:t>
+                      </a:r>
+                    </a:p>
+                    <a:p>
+                      <a:pPr algn="ctr" latinLnBrk="1"/>
+                      <a:endParaRPr lang="en-US" altLang="ko-KR" sz="1300" dirty="0"/>
+                    </a:p>
+                    <a:p>
+                      <a:pPr algn="ctr" latinLnBrk="1"/>
+                      <a:endParaRPr lang="en-US" altLang="ko-KR" sz="1300" dirty="0"/>
+                    </a:p>
+                  </a:txBody>
+                  <a:tcPr/>
+                </a:tc>
+                <a:tc>
+                  <a:txBody>
+                    <a:bodyPr/>
+                    <a:lstStyle/>
+                    <a:p>
+                      <a:pPr algn="ctr" latinLnBrk="1"/>
+                      <a:r>
+                        <a:rPr lang="ko-KR" altLang="en-US" sz="1300" dirty="0"/>
+                        <a:t>반공 처음</a:t>
+                      </a:r>
+                      <a:r>
+                        <a:rPr lang="en-US" altLang="ko-KR" sz="1300" dirty="0"/>
+                        <a:t>~ </a:t>
+                      </a:r>
+                      <a:r>
+                        <a:rPr lang="ko-KR" altLang="en-US" sz="1300" dirty="0"/>
+                        <a:t>배운데 까지 복습</a:t>
+                      </a:r>
+                      <a:r>
+                        <a:rPr lang="en-US" altLang="ko-KR" sz="1300" dirty="0"/>
+                        <a:t>(2)</a:t>
+                      </a:r>
+                    </a:p>
+                    <a:p>
+                      <a:pPr algn="ctr" latinLnBrk="1"/>
+                      <a:endParaRPr lang="en-US" altLang="ko-KR" sz="1300" dirty="0"/>
+                    </a:p>
+                    <a:p>
+                      <a:pPr algn="ctr" latinLnBrk="1"/>
+                      <a:r>
+                        <a:rPr lang="en-US" altLang="ko-KR" sz="1300" dirty="0"/>
+                        <a:t>C++ </a:t>
+                      </a:r>
+                      <a:r>
+                        <a:rPr lang="ko-KR" altLang="en-US" sz="1300" dirty="0"/>
+                        <a:t>처음</a:t>
+                      </a:r>
+                      <a:r>
+                        <a:rPr lang="en-US" altLang="ko-KR" sz="1300" dirty="0"/>
+                        <a:t>~ </a:t>
+                      </a:r>
+                      <a:r>
+                        <a:rPr lang="ko-KR" altLang="en-US" sz="1300" dirty="0"/>
+                        <a:t>배운데 까지 복습</a:t>
+                      </a:r>
+                      <a:endParaRPr lang="en-US" altLang="ko-KR" sz="1300" dirty="0"/>
+                    </a:p>
+                    <a:p>
+                      <a:pPr algn="ctr" latinLnBrk="1"/>
+                      <a:endParaRPr lang="en-US" altLang="ko-KR" sz="1300" dirty="0"/>
+                    </a:p>
+                    <a:p>
+                      <a:pPr algn="ctr" latinLnBrk="1"/>
+                      <a:endParaRPr lang="en-US" altLang="ko-KR" sz="1300" dirty="0"/>
+                    </a:p>
+                    <a:p>
+                      <a:pPr algn="ctr" latinLnBrk="1"/>
+                      <a:endParaRPr lang="en-US" altLang="ko-KR" sz="1300" dirty="0"/>
+                    </a:p>
+                    <a:p>
+                      <a:pPr algn="ctr" latinLnBrk="1"/>
+                      <a:r>
+                        <a:rPr lang="ko-KR" altLang="en-US" sz="1300" dirty="0"/>
+                        <a:t>자제 책 읽기</a:t>
+                      </a:r>
+                      <a:endParaRPr lang="en-US" altLang="ko-KR" sz="1300" dirty="0"/>
+                    </a:p>
+                    <a:p>
+                      <a:pPr algn="ctr" latinLnBrk="1"/>
+                      <a:r>
+                        <a:rPr lang="en-US" altLang="ko-KR" sz="1300" dirty="0"/>
+                        <a:t>DSP </a:t>
+                      </a:r>
+                      <a:r>
+                        <a:rPr lang="ko-KR" altLang="en-US" sz="1300" dirty="0"/>
+                        <a:t>예제</a:t>
+                      </a:r>
+                      <a:r>
+                        <a:rPr lang="en-US" altLang="ko-KR" sz="1300" dirty="0"/>
+                        <a:t>(2)</a:t>
+                      </a:r>
+                    </a:p>
+                    <a:p>
+                      <a:pPr algn="ctr" latinLnBrk="1"/>
+                      <a:r>
+                        <a:rPr lang="en-US" altLang="ko-KR" sz="1300" dirty="0"/>
+                        <a:t>C++ </a:t>
+                      </a:r>
+                      <a:r>
+                        <a:rPr lang="ko-KR" altLang="en-US" sz="1300" dirty="0"/>
+                        <a:t>실습</a:t>
+                      </a:r>
+                      <a:r>
+                        <a:rPr lang="en-US" altLang="ko-KR" sz="1300" dirty="0"/>
+                        <a:t>(2)</a:t>
+                      </a:r>
+                      <a:endParaRPr lang="ko-KR" altLang="en-US" sz="1300" dirty="0"/>
+                    </a:p>
+                  </a:txBody>
+                  <a:tcPr/>
+                </a:tc>
+                <a:tc gridSpan="2">
+                  <a:txBody>
+                    <a:bodyPr/>
+                    <a:lstStyle/>
+                    <a:p>
+                      <a:pPr algn="ctr" latinLnBrk="1"/>
+                      <a:endParaRPr lang="en-US" altLang="ko-KR" sz="1300" dirty="0"/>
+                    </a:p>
+                    <a:p>
+                      <a:pPr algn="ctr" latinLnBrk="1"/>
+                      <a:endParaRPr lang="en-US" altLang="ko-KR" sz="1300" dirty="0"/>
+                    </a:p>
+                    <a:p>
+                      <a:pPr algn="ctr" latinLnBrk="1"/>
+                      <a:endParaRPr lang="en-US" altLang="ko-KR" sz="1300" dirty="0"/>
+                    </a:p>
+                    <a:p>
+                      <a:pPr algn="ctr" latinLnBrk="1"/>
+                      <a:endParaRPr lang="en-US" altLang="ko-KR" sz="1300" dirty="0"/>
+                    </a:p>
+                    <a:p>
+                      <a:pPr algn="ctr" latinLnBrk="1"/>
+                      <a:endParaRPr lang="en-US" altLang="ko-KR" sz="1300" dirty="0"/>
+                    </a:p>
+                    <a:p>
+                      <a:pPr algn="ctr" latinLnBrk="1"/>
+                      <a:endParaRPr lang="en-US" altLang="ko-KR" sz="1300" dirty="0"/>
+                    </a:p>
+                    <a:p>
+                      <a:pPr algn="ctr" latinLnBrk="1"/>
+                      <a:endParaRPr lang="en-US" altLang="ko-KR" sz="1300" dirty="0"/>
+                    </a:p>
+                    <a:p>
+                      <a:pPr algn="ctr" latinLnBrk="1"/>
+                      <a:r>
+                        <a:rPr lang="ko-KR" altLang="en-US" sz="1300" dirty="0"/>
+                        <a:t>시험공부</a:t>
+                      </a:r>
+                    </a:p>
+                  </a:txBody>
+                  <a:tcPr/>
+                </a:tc>
+                <a:tc hMerge="1">
+                  <a:txBody>
+                    <a:bodyPr/>
+                    <a:lstStyle/>
+                    <a:p>
+                      <a:pPr algn="ctr" latinLnBrk="1"/>
+                      <a:endParaRPr lang="ko-KR" altLang="en-US" sz="1300" dirty="0"/>
+                    </a:p>
+                  </a:txBody>
+                  <a:tcPr/>
+                </a:tc>
+                <a:extLst>
+                  <a:ext uri="{0D108BD9-81ED-4DB2-BD59-A6C34878D82A}">
+                    <a16:rowId xmlns:a16="http://schemas.microsoft.com/office/drawing/2014/main" val="1934726624"/>
+                  </a:ext>
+                </a:extLst>
+              </a:tr>
+            </a:tbl>
+          </a:graphicData>
+        </a:graphic>
+      </p:graphicFrame>
     </p:spTree>
     <p:extLst>
       <p:ext uri="{BB962C8B-B14F-4D97-AF65-F5344CB8AC3E}">
@@ -8133,7 +8927,7 @@
     <mc:Choice Requires="p14">
       <p:transition/>
     </mc:Choice>
-    <mc:Fallback xmlns="" xmlns:c="http://schemas.openxmlformats.org/drawingml/2006/chart" xmlns:dgm="http://schemas.openxmlformats.org/drawingml/2006/diagram" xmlns:dsp="http://schemas.microsoft.com/office/drawing/2008/diagram">
+    <mc:Fallback xmlns:dsp="http://schemas.microsoft.com/office/drawing/2008/diagram" xmlns:dgm="http://schemas.openxmlformats.org/drawingml/2006/diagram" xmlns:c="http://schemas.openxmlformats.org/drawingml/2006/chart" xmlns="">
       <p:transition/>
     </mc:Fallback>
   </mc:AlternateContent>
@@ -8288,7 +9082,7 @@
     <mc:Choice Requires="p14">
       <p:transition/>
     </mc:Choice>
-    <mc:Fallback xmlns="" xmlns:c="http://schemas.openxmlformats.org/drawingml/2006/chart" xmlns:dgm="http://schemas.openxmlformats.org/drawingml/2006/diagram" xmlns:dsp="http://schemas.microsoft.com/office/drawing/2008/diagram">
+    <mc:Fallback xmlns:dsp="http://schemas.microsoft.com/office/drawing/2008/diagram" xmlns:dgm="http://schemas.openxmlformats.org/drawingml/2006/diagram" xmlns:c="http://schemas.openxmlformats.org/drawingml/2006/chart" xmlns="">
       <p:transition/>
     </mc:Fallback>
   </mc:AlternateContent>
